--- a/slides/Apache Spark - Chapitre 2 - Structured APIs - DataFrame Part 1.pptx
+++ b/slides/Apache Spark - Chapitre 2 - Structured APIs - DataFrame Part 1.pptx
@@ -6,7 +6,7 @@
     <p:sldMasterId id="2147483671" r:id="rId2"/>
   </p:sldMasterIdLst>
   <p:notesMasterIdLst>
-    <p:notesMasterId r:id="rId22"/>
+    <p:notesMasterId r:id="rId23"/>
   </p:notesMasterIdLst>
   <p:sldIdLst>
     <p:sldId id="256" r:id="rId3"/>
@@ -28,6 +28,7 @@
     <p:sldId id="273" r:id="rId19"/>
     <p:sldId id="274" r:id="rId20"/>
     <p:sldId id="275" r:id="rId21"/>
+    <p:sldId id="276" r:id="rId22"/>
   </p:sldIdLst>
   <p:sldSz cx="9144000" cy="5143500" type="screen16x9"/>
   <p:notesSz cx="6858000" cy="9144000"/>
@@ -1961,6 +1962,115 @@
         </p:txBody>
       </p:sp>
     </p:spTree>
+  </p:cSld>
+  <p:clrMapOvr>
+    <a:masterClrMapping/>
+  </p:clrMapOvr>
+</p:notes>
+</file>
+
+<file path=ppt/notesSlides/notesSlide20.xml><?xml version="1.0" encoding="utf-8"?>
+<p:notes xmlns:a="http://schemas.openxmlformats.org/drawingml/2006/main" xmlns:r="http://schemas.openxmlformats.org/officeDocument/2006/relationships" xmlns:p="http://schemas.openxmlformats.org/presentationml/2006/main" showMasterSp="0" showMasterPhAnim="0">
+  <p:cSld>
+    <p:spTree>
+      <p:nvGrpSpPr>
+        <p:cNvPr id="1" name="Shape 135"/>
+        <p:cNvGrpSpPr/>
+        <p:nvPr/>
+      </p:nvGrpSpPr>
+      <p:grpSpPr>
+        <a:xfrm>
+          <a:off x="0" y="0"/>
+          <a:ext cx="0" cy="0"/>
+          <a:chOff x="0" y="0"/>
+          <a:chExt cx="0" cy="0"/>
+        </a:xfrm>
+      </p:grpSpPr>
+      <p:sp>
+        <p:nvSpPr>
+          <p:cNvPr id="136" name="Google Shape;136;g55a328a9ce_0_75:notes"/>
+          <p:cNvSpPr>
+            <a:spLocks noGrp="1" noRot="1" noChangeAspect="1"/>
+          </p:cNvSpPr>
+          <p:nvPr>
+            <p:ph type="sldImg" idx="2"/>
+          </p:nvPr>
+        </p:nvSpPr>
+        <p:spPr>
+          <a:xfrm>
+            <a:off x="381000" y="685800"/>
+            <a:ext cx="6096000" cy="3429000"/>
+          </a:xfrm>
+          <a:custGeom>
+            <a:avLst/>
+            <a:gdLst/>
+            <a:ahLst/>
+            <a:cxnLst/>
+            <a:rect l="l" t="t" r="r" b="b"/>
+            <a:pathLst>
+              <a:path w="120000" h="120000" extrusionOk="0">
+                <a:moveTo>
+                  <a:pt x="0" y="0"/>
+                </a:moveTo>
+                <a:lnTo>
+                  <a:pt x="120000" y="0"/>
+                </a:lnTo>
+                <a:lnTo>
+                  <a:pt x="120000" y="120000"/>
+                </a:lnTo>
+                <a:lnTo>
+                  <a:pt x="0" y="120000"/>
+                </a:lnTo>
+                <a:close/>
+              </a:path>
+            </a:pathLst>
+          </a:custGeom>
+        </p:spPr>
+      </p:sp>
+      <p:sp>
+        <p:nvSpPr>
+          <p:cNvPr id="137" name="Google Shape;137;g55a328a9ce_0_75:notes"/>
+          <p:cNvSpPr txBox="1">
+            <a:spLocks noGrp="1"/>
+          </p:cNvSpPr>
+          <p:nvPr>
+            <p:ph type="body" idx="1"/>
+          </p:nvPr>
+        </p:nvSpPr>
+        <p:spPr>
+          <a:xfrm>
+            <a:off x="685800" y="4343400"/>
+            <a:ext cx="5486400" cy="4114800"/>
+          </a:xfrm>
+          <a:prstGeom prst="rect">
+            <a:avLst/>
+          </a:prstGeom>
+        </p:spPr>
+        <p:txBody>
+          <a:bodyPr spcFirstLastPara="1" wrap="square" lIns="91425" tIns="91425" rIns="91425" bIns="91425" anchor="t" anchorCtr="0">
+            <a:noAutofit/>
+          </a:bodyPr>
+          <a:lstStyle/>
+          <a:p>
+            <a:pPr marL="0" lvl="0" indent="0" algn="l" rtl="0">
+              <a:spcBef>
+                <a:spcPts val="0"/>
+              </a:spcBef>
+              <a:spcAft>
+                <a:spcPts val="0"/>
+              </a:spcAft>
+              <a:buNone/>
+            </a:pPr>
+            <a:endParaRPr/>
+          </a:p>
+        </p:txBody>
+      </p:sp>
+    </p:spTree>
+    <p:extLst>
+      <p:ext uri="{BB962C8B-B14F-4D97-AF65-F5344CB8AC3E}">
+        <p14:creationId xmlns:p14="http://schemas.microsoft.com/office/powerpoint/2010/main" val="1509891992"/>
+      </p:ext>
+    </p:extLst>
   </p:cSld>
   <p:clrMapOvr>
     <a:masterClrMapping/>
@@ -19132,6 +19242,202 @@
         </p:txBody>
       </p:sp>
     </p:spTree>
+  </p:cSld>
+  <p:clrMapOvr>
+    <a:masterClrMapping/>
+  </p:clrMapOvr>
+</p:sld>
+</file>
+
+<file path=ppt/slides/slide20.xml><?xml version="1.0" encoding="utf-8"?>
+<p:sld xmlns:a="http://schemas.openxmlformats.org/drawingml/2006/main" xmlns:r="http://schemas.openxmlformats.org/officeDocument/2006/relationships" xmlns:p="http://schemas.openxmlformats.org/presentationml/2006/main">
+  <p:cSld>
+    <p:spTree>
+      <p:nvGrpSpPr>
+        <p:cNvPr id="1" name="Shape 138"/>
+        <p:cNvGrpSpPr/>
+        <p:nvPr/>
+      </p:nvGrpSpPr>
+      <p:grpSpPr>
+        <a:xfrm>
+          <a:off x="0" y="0"/>
+          <a:ext cx="0" cy="0"/>
+          <a:chOff x="0" y="0"/>
+          <a:chExt cx="0" cy="0"/>
+        </a:xfrm>
+      </p:grpSpPr>
+      <p:sp>
+        <p:nvSpPr>
+          <p:cNvPr id="139" name="Google Shape;139;p30"/>
+          <p:cNvSpPr txBox="1">
+            <a:spLocks noGrp="1"/>
+          </p:cNvSpPr>
+          <p:nvPr>
+            <p:ph type="title"/>
+          </p:nvPr>
+        </p:nvSpPr>
+        <p:spPr>
+          <a:xfrm>
+            <a:off x="311700" y="0"/>
+            <a:ext cx="8520600" cy="572700"/>
+          </a:xfrm>
+          <a:prstGeom prst="rect">
+            <a:avLst/>
+          </a:prstGeom>
+        </p:spPr>
+        <p:txBody>
+          <a:bodyPr spcFirstLastPara="1" wrap="square" lIns="91425" tIns="91425" rIns="91425" bIns="91425" anchor="t" anchorCtr="0">
+            <a:noAutofit/>
+          </a:bodyPr>
+          <a:lstStyle/>
+          <a:p>
+            <a:pPr marL="0" lvl="0" indent="0" algn="l" rtl="0">
+              <a:spcBef>
+                <a:spcPts val="0"/>
+              </a:spcBef>
+              <a:spcAft>
+                <a:spcPts val="0"/>
+              </a:spcAft>
+              <a:buNone/>
+            </a:pPr>
+            <a:endParaRPr dirty="0">
+              <a:solidFill>
+                <a:srgbClr val="4A86E8"/>
+              </a:solidFill>
+            </a:endParaRPr>
+          </a:p>
+          <a:p>
+            <a:pPr marL="0" lvl="0" indent="0" algn="l" rtl="0">
+              <a:spcBef>
+                <a:spcPts val="0"/>
+              </a:spcBef>
+              <a:spcAft>
+                <a:spcPts val="0"/>
+              </a:spcAft>
+              <a:buNone/>
+            </a:pPr>
+            <a:endParaRPr dirty="0">
+              <a:solidFill>
+                <a:srgbClr val="4A86E8"/>
+              </a:solidFill>
+            </a:endParaRPr>
+          </a:p>
+          <a:p>
+            <a:pPr marL="0" lvl="0" indent="0" algn="l" rtl="0">
+              <a:spcBef>
+                <a:spcPts val="0"/>
+              </a:spcBef>
+              <a:spcAft>
+                <a:spcPts val="0"/>
+              </a:spcAft>
+              <a:buNone/>
+            </a:pPr>
+            <a:endParaRPr dirty="0">
+              <a:solidFill>
+                <a:srgbClr val="4A86E8"/>
+              </a:solidFill>
+            </a:endParaRPr>
+          </a:p>
+        </p:txBody>
+      </p:sp>
+      <p:sp>
+        <p:nvSpPr>
+          <p:cNvPr id="140" name="Google Shape;140;p30"/>
+          <p:cNvSpPr txBox="1">
+            <a:spLocks noGrp="1"/>
+          </p:cNvSpPr>
+          <p:nvPr>
+            <p:ph type="body" idx="1"/>
+          </p:nvPr>
+        </p:nvSpPr>
+        <p:spPr>
+          <a:xfrm>
+            <a:off x="311700" y="572700"/>
+            <a:ext cx="8520600" cy="4090500"/>
+          </a:xfrm>
+          <a:prstGeom prst="rect">
+            <a:avLst/>
+          </a:prstGeom>
+        </p:spPr>
+        <p:txBody>
+          <a:bodyPr spcFirstLastPara="1" wrap="square" lIns="91425" tIns="91425" rIns="91425" bIns="91425" anchor="ctr" anchorCtr="0">
+            <a:noAutofit/>
+          </a:bodyPr>
+          <a:lstStyle/>
+          <a:p>
+            <a:pPr marL="0" lvl="0" indent="0" algn="ctr" rtl="0">
+              <a:spcBef>
+                <a:spcPts val="0"/>
+              </a:spcBef>
+              <a:spcAft>
+                <a:spcPts val="0"/>
+              </a:spcAft>
+              <a:buNone/>
+            </a:pPr>
+            <a:r>
+              <a:rPr lang="fr" b="1" dirty="0">
+                <a:solidFill>
+                  <a:srgbClr val="38761D"/>
+                </a:solidFill>
+              </a:rPr>
+              <a:t>QUIZ</a:t>
+            </a:r>
+            <a:endParaRPr b="1" dirty="0">
+              <a:solidFill>
+                <a:schemeClr val="dk1"/>
+              </a:solidFill>
+            </a:endParaRPr>
+          </a:p>
+        </p:txBody>
+      </p:sp>
+      <p:sp>
+        <p:nvSpPr>
+          <p:cNvPr id="141" name="Google Shape;141;p30"/>
+          <p:cNvSpPr txBox="1">
+            <a:spLocks noGrp="1"/>
+          </p:cNvSpPr>
+          <p:nvPr>
+            <p:ph type="sldNum" idx="12"/>
+          </p:nvPr>
+        </p:nvSpPr>
+        <p:spPr>
+          <a:xfrm>
+            <a:off x="8472458" y="4663217"/>
+            <a:ext cx="548700" cy="393600"/>
+          </a:xfrm>
+          <a:prstGeom prst="rect">
+            <a:avLst/>
+          </a:prstGeom>
+        </p:spPr>
+        <p:txBody>
+          <a:bodyPr spcFirstLastPara="1" wrap="square" lIns="91425" tIns="91425" rIns="91425" bIns="91425" anchor="ctr" anchorCtr="0">
+            <a:noAutofit/>
+          </a:bodyPr>
+          <a:lstStyle/>
+          <a:p>
+            <a:pPr marL="0" lvl="0" indent="0" algn="r" rtl="0">
+              <a:spcBef>
+                <a:spcPts val="0"/>
+              </a:spcBef>
+              <a:spcAft>
+                <a:spcPts val="0"/>
+              </a:spcAft>
+              <a:buNone/>
+            </a:pPr>
+            <a:fld id="{00000000-1234-1234-1234-123412341234}" type="slidenum">
+              <a:rPr lang="fr"/>
+              <a:t>20</a:t>
+            </a:fld>
+            <a:endParaRPr/>
+          </a:p>
+        </p:txBody>
+      </p:sp>
+    </p:spTree>
+    <p:extLst>
+      <p:ext uri="{BB962C8B-B14F-4D97-AF65-F5344CB8AC3E}">
+        <p14:creationId xmlns:p14="http://schemas.microsoft.com/office/powerpoint/2010/main" val="310642103"/>
+      </p:ext>
+    </p:extLst>
   </p:cSld>
   <p:clrMapOvr>
     <a:masterClrMapping/>
